--- a/Presentation.pptx
+++ b/Presentation.pptx
@@ -4731,7 +4731,7 @@
                   </a:solidFill>
                   <a:latin typeface="Arial Black" panose="020B0A04020102020204" pitchFamily="34" charset="0"/>
                 </a:rPr>
-                <a:t>Bonfire</a:t>
+                <a:t>BONFIRE</a:t>
               </a:r>
               <a:endParaRPr lang="ro-MD" dirty="0">
                 <a:solidFill>
@@ -5009,7 +5009,7 @@
         </p:nvSpPr>
         <p:spPr>
           <a:xfrm>
-            <a:off x="1830154" y="6336790"/>
+            <a:off x="1738139" y="6162533"/>
             <a:ext cx="5648131" cy="723122"/>
           </a:xfrm>
           <a:prstGeom prst="rect">
@@ -5240,6 +5240,281 @@
           </a:p>
         </p:txBody>
       </p:sp>
+      <p:pic>
+        <p:nvPicPr>
+          <p:cNvPr id="3" name="Picture 2">
+            <a:extLst>
+              <a:ext uri="{FF2B5EF4-FFF2-40B4-BE49-F238E27FC236}">
+                <a16:creationId xmlns:a16="http://schemas.microsoft.com/office/drawing/2014/main" id="{0D88AD77-E6B3-FF03-02A3-646AAB7DEC9B}"/>
+              </a:ext>
+            </a:extLst>
+          </p:cNvPr>
+          <p:cNvPicPr>
+            <a:picLocks noChangeAspect="1"/>
+          </p:cNvPicPr>
+          <p:nvPr/>
+        </p:nvPicPr>
+        <p:blipFill>
+          <a:blip r:embed="rId8">
+            <a:extLst>
+              <a:ext uri="{BEBA8EAE-BF5A-486C-A8C5-ECC9F3942E4B}">
+                <a14:imgProps xmlns:a14="http://schemas.microsoft.com/office/drawing/2010/main">
+                  <a14:imgLayer r:embed="rId9">
+                    <a14:imgEffect>
+                      <a14:sharpenSoften amount="100000"/>
+                    </a14:imgEffect>
+                    <a14:imgEffect>
+                      <a14:saturation sat="0"/>
+                    </a14:imgEffect>
+                    <a14:imgEffect>
+                      <a14:brightnessContrast bright="100000" contrast="100000"/>
+                    </a14:imgEffect>
+                  </a14:imgLayer>
+                </a14:imgProps>
+              </a:ext>
+              <a:ext uri="{28A0092B-C50C-407E-A947-70E740481C1C}">
+                <a14:useLocalDpi xmlns:a14="http://schemas.microsoft.com/office/drawing/2010/main" val="0"/>
+              </a:ext>
+            </a:extLst>
+          </a:blip>
+          <a:stretch>
+            <a:fillRect/>
+          </a:stretch>
+        </p:blipFill>
+        <p:spPr>
+          <a:xfrm>
+            <a:off x="7270077" y="6084811"/>
+            <a:ext cx="815141" cy="468133"/>
+          </a:xfrm>
+          <a:prstGeom prst="rect">
+            <a:avLst/>
+          </a:prstGeom>
+        </p:spPr>
+      </p:pic>
+      <p:pic>
+        <p:nvPicPr>
+          <p:cNvPr id="7" name="Picture 6">
+            <a:extLst>
+              <a:ext uri="{FF2B5EF4-FFF2-40B4-BE49-F238E27FC236}">
+                <a16:creationId xmlns:a16="http://schemas.microsoft.com/office/drawing/2014/main" id="{081DC733-EB79-0485-4071-FD2C96F61087}"/>
+              </a:ext>
+            </a:extLst>
+          </p:cNvPr>
+          <p:cNvPicPr>
+            <a:picLocks noChangeAspect="1"/>
+          </p:cNvPicPr>
+          <p:nvPr/>
+        </p:nvPicPr>
+        <p:blipFill>
+          <a:blip r:embed="rId10">
+            <a:extLst>
+              <a:ext uri="{BEBA8EAE-BF5A-486C-A8C5-ECC9F3942E4B}">
+                <a14:imgProps xmlns:a14="http://schemas.microsoft.com/office/drawing/2010/main">
+                  <a14:imgLayer r:embed="rId11">
+                    <a14:imgEffect>
+                      <a14:sharpenSoften amount="100000"/>
+                    </a14:imgEffect>
+                    <a14:imgEffect>
+                      <a14:saturation sat="0"/>
+                    </a14:imgEffect>
+                    <a14:imgEffect>
+                      <a14:brightnessContrast bright="100000" contrast="100000"/>
+                    </a14:imgEffect>
+                  </a14:imgLayer>
+                </a14:imgProps>
+              </a:ext>
+              <a:ext uri="{28A0092B-C50C-407E-A947-70E740481C1C}">
+                <a14:useLocalDpi xmlns:a14="http://schemas.microsoft.com/office/drawing/2010/main" val="0"/>
+              </a:ext>
+            </a:extLst>
+          </a:blip>
+          <a:stretch>
+            <a:fillRect/>
+          </a:stretch>
+        </p:blipFill>
+        <p:spPr>
+          <a:xfrm>
+            <a:off x="6480708" y="6192698"/>
+            <a:ext cx="668892" cy="229653"/>
+          </a:xfrm>
+          <a:prstGeom prst="rect">
+            <a:avLst/>
+          </a:prstGeom>
+        </p:spPr>
+      </p:pic>
+      <p:pic>
+        <p:nvPicPr>
+          <p:cNvPr id="9" name="Picture 8">
+            <a:extLst>
+              <a:ext uri="{FF2B5EF4-FFF2-40B4-BE49-F238E27FC236}">
+                <a16:creationId xmlns:a16="http://schemas.microsoft.com/office/drawing/2014/main" id="{EFACD835-95D8-52B7-D7BE-85C4FCAF502D}"/>
+              </a:ext>
+            </a:extLst>
+          </p:cNvPr>
+          <p:cNvPicPr>
+            <a:picLocks noChangeAspect="1"/>
+          </p:cNvPicPr>
+          <p:nvPr/>
+        </p:nvPicPr>
+        <p:blipFill>
+          <a:blip r:embed="rId12">
+            <a:extLst>
+              <a:ext uri="{BEBA8EAE-BF5A-486C-A8C5-ECC9F3942E4B}">
+                <a14:imgProps xmlns:a14="http://schemas.microsoft.com/office/drawing/2010/main">
+                  <a14:imgLayer r:embed="rId13">
+                    <a14:imgEffect>
+                      <a14:sharpenSoften amount="100000"/>
+                    </a14:imgEffect>
+                    <a14:imgEffect>
+                      <a14:saturation sat="0"/>
+                    </a14:imgEffect>
+                    <a14:imgEffect>
+                      <a14:brightnessContrast bright="100000" contrast="100000"/>
+                    </a14:imgEffect>
+                  </a14:imgLayer>
+                </a14:imgProps>
+              </a:ext>
+              <a:ext uri="{28A0092B-C50C-407E-A947-70E740481C1C}">
+                <a14:useLocalDpi xmlns:a14="http://schemas.microsoft.com/office/drawing/2010/main" val="0"/>
+              </a:ext>
+            </a:extLst>
+          </a:blip>
+          <a:stretch>
+            <a:fillRect/>
+          </a:stretch>
+        </p:blipFill>
+        <p:spPr>
+          <a:xfrm>
+            <a:off x="8249479" y="6161982"/>
+            <a:ext cx="1015090" cy="291086"/>
+          </a:xfrm>
+          <a:prstGeom prst="rect">
+            <a:avLst/>
+          </a:prstGeom>
+        </p:spPr>
+      </p:pic>
+      <p:pic>
+        <p:nvPicPr>
+          <p:cNvPr id="15" name="Picture 14">
+            <a:extLst>
+              <a:ext uri="{FF2B5EF4-FFF2-40B4-BE49-F238E27FC236}">
+                <a16:creationId xmlns:a16="http://schemas.microsoft.com/office/drawing/2014/main" id="{070D7DD8-63D2-6C59-B1EA-4620642A9D68}"/>
+              </a:ext>
+            </a:extLst>
+          </p:cNvPr>
+          <p:cNvPicPr>
+            <a:picLocks noChangeAspect="1"/>
+          </p:cNvPicPr>
+          <p:nvPr/>
+        </p:nvPicPr>
+        <p:blipFill>
+          <a:blip r:embed="rId14">
+            <a:extLst>
+              <a:ext uri="{BEBA8EAE-BF5A-486C-A8C5-ECC9F3942E4B}">
+                <a14:imgProps xmlns:a14="http://schemas.microsoft.com/office/drawing/2010/main">
+                  <a14:imgLayer r:embed="rId15">
+                    <a14:imgEffect>
+                      <a14:sharpenSoften amount="100000"/>
+                    </a14:imgEffect>
+                    <a14:imgEffect>
+                      <a14:saturation sat="0"/>
+                    </a14:imgEffect>
+                    <a14:imgEffect>
+                      <a14:brightnessContrast bright="100000" contrast="100000"/>
+                    </a14:imgEffect>
+                  </a14:imgLayer>
+                </a14:imgProps>
+              </a:ext>
+              <a:ext uri="{28A0092B-C50C-407E-A947-70E740481C1C}">
+                <a14:useLocalDpi xmlns:a14="http://schemas.microsoft.com/office/drawing/2010/main" val="0"/>
+              </a:ext>
+            </a:extLst>
+          </a:blip>
+          <a:stretch>
+            <a:fillRect/>
+          </a:stretch>
+        </p:blipFill>
+        <p:spPr>
+          <a:xfrm>
+            <a:off x="9342499" y="6084811"/>
+            <a:ext cx="457731" cy="457731"/>
+          </a:xfrm>
+          <a:prstGeom prst="rect">
+            <a:avLst/>
+          </a:prstGeom>
+        </p:spPr>
+      </p:pic>
+      <p:pic>
+        <p:nvPicPr>
+          <p:cNvPr id="20" name="Picture 19">
+            <a:extLst>
+              <a:ext uri="{FF2B5EF4-FFF2-40B4-BE49-F238E27FC236}">
+                <a16:creationId xmlns:a16="http://schemas.microsoft.com/office/drawing/2014/main" id="{3A231B28-844F-8C19-93AF-0E289C9CFC61}"/>
+              </a:ext>
+            </a:extLst>
+          </p:cNvPr>
+          <p:cNvPicPr>
+            <a:picLocks noChangeAspect="1"/>
+          </p:cNvPicPr>
+          <p:nvPr/>
+        </p:nvPicPr>
+        <p:blipFill>
+          <a:blip r:embed="rId16">
+            <a:extLst>
+              <a:ext uri="{BEBA8EAE-BF5A-486C-A8C5-ECC9F3942E4B}">
+                <a14:imgProps xmlns:a14="http://schemas.microsoft.com/office/drawing/2010/main">
+                  <a14:imgLayer r:embed="rId17">
+                    <a14:imgEffect>
+                      <a14:backgroundRemoval t="3413" b="98635" l="7267" r="97722">
+                        <a14:foregroundMark x1="7592" y1="29010" x2="7375" y2="35495"/>
+                        <a14:foregroundMark x1="17462" y1="22867" x2="17462" y2="31741"/>
+                        <a14:foregroundMark x1="27874" y1="32423" x2="27874" y2="32423"/>
+                        <a14:foregroundMark x1="37744" y1="25597" x2="37744" y2="25597"/>
+                        <a14:foregroundMark x1="44794" y1="22526" x2="44794" y2="22526"/>
+                        <a14:foregroundMark x1="55206" y1="24915" x2="55206" y2="24915"/>
+                        <a14:foregroundMark x1="69197" y1="7167" x2="68655" y2="99317"/>
+                        <a14:foregroundMark x1="69414" y1="3754" x2="95011" y2="8191"/>
+                        <a14:foregroundMark x1="95011" y1="8191" x2="96855" y2="35836"/>
+                        <a14:foregroundMark x1="96855" y1="35836" x2="96312" y2="56314"/>
+                        <a14:foregroundMark x1="96312" y1="56314" x2="97722" y2="77474"/>
+                        <a14:foregroundMark x1="56074" y1="68259" x2="56074" y2="68259"/>
+                        <a14:foregroundMark x1="49349" y1="69283" x2="49783" y2="72355"/>
+                        <a14:foregroundMark x1="41540" y1="62799" x2="41540" y2="62799"/>
+                        <a14:foregroundMark x1="33839" y1="64505" x2="33839" y2="64505"/>
+                        <a14:foregroundMark x1="27874" y1="70648" x2="27874" y2="70648"/>
+                        <a14:foregroundMark x1="16703" y1="68259" x2="16703" y2="68259"/>
+                        <a14:foregroundMark x1="9978" y1="71331" x2="9978" y2="71331"/>
+                        <a14:foregroundMark x1="9436" y1="63481" x2="9436" y2="63481"/>
+                      </a14:backgroundRemoval>
+                    </a14:imgEffect>
+                    <a14:imgEffect>
+                      <a14:saturation sat="0"/>
+                    </a14:imgEffect>
+                    <a14:imgEffect>
+                      <a14:brightnessContrast bright="20000" contrast="40000"/>
+                    </a14:imgEffect>
+                  </a14:imgLayer>
+                </a14:imgProps>
+              </a:ext>
+              <a:ext uri="{28A0092B-C50C-407E-A947-70E740481C1C}">
+                <a14:useLocalDpi xmlns:a14="http://schemas.microsoft.com/office/drawing/2010/main" val="0"/>
+              </a:ext>
+            </a:extLst>
+          </a:blip>
+          <a:stretch>
+            <a:fillRect/>
+          </a:stretch>
+        </p:blipFill>
+        <p:spPr>
+          <a:xfrm>
+            <a:off x="3853187" y="6123865"/>
+            <a:ext cx="1068737" cy="339631"/>
+          </a:xfrm>
+          <a:prstGeom prst="rect">
+            <a:avLst/>
+          </a:prstGeom>
+        </p:spPr>
+      </p:pic>
     </p:spTree>
     <p:extLst>
       <p:ext uri="{BB962C8B-B14F-4D97-AF65-F5344CB8AC3E}">
@@ -5765,6 +6040,118 @@
               </a:rPr>
               <a:t> ?</a:t>
             </a:r>
+          </a:p>
+        </p:txBody>
+      </p:sp>
+      <p:sp>
+        <p:nvSpPr>
+          <p:cNvPr id="10" name="Title 1">
+            <a:extLst>
+              <a:ext uri="{FF2B5EF4-FFF2-40B4-BE49-F238E27FC236}">
+                <a16:creationId xmlns:a16="http://schemas.microsoft.com/office/drawing/2014/main" id="{0533EC8F-912F-C590-729D-85ADEFD13913}"/>
+              </a:ext>
+            </a:extLst>
+          </p:cNvPr>
+          <p:cNvSpPr txBox="1">
+            <a:spLocks/>
+          </p:cNvSpPr>
+          <p:nvPr/>
+        </p:nvSpPr>
+        <p:spPr>
+          <a:xfrm>
+            <a:off x="992858" y="1766497"/>
+            <a:ext cx="6120151" cy="2706135"/>
+          </a:xfrm>
+          <a:prstGeom prst="rect">
+            <a:avLst/>
+          </a:prstGeom>
+        </p:spPr>
+        <p:txBody>
+          <a:bodyPr vert="horz" lIns="91440" tIns="45720" rIns="91440" bIns="45720" rtlCol="0" anchor="b">
+            <a:normAutofit/>
+          </a:bodyPr>
+          <a:lstStyle>
+            <a:lvl1pPr algn="ctr" defTabSz="914400" rtl="0" eaLnBrk="1" latinLnBrk="0" hangingPunct="1">
+              <a:lnSpc>
+                <a:spcPct val="90000"/>
+              </a:lnSpc>
+              <a:spcBef>
+                <a:spcPct val="0"/>
+              </a:spcBef>
+              <a:buNone/>
+              <a:defRPr sz="6000" kern="1200">
+                <a:solidFill>
+                  <a:schemeClr val="tx1"/>
+                </a:solidFill>
+                <a:latin typeface="+mj-lt"/>
+                <a:ea typeface="+mj-ea"/>
+                <a:cs typeface="+mj-cs"/>
+              </a:defRPr>
+            </a:lvl1pPr>
+          </a:lstStyle>
+          <a:p>
+            <a:r>
+              <a:rPr lang="ro-MD" sz="2400" dirty="0">
+                <a:solidFill>
+                  <a:schemeClr val="tx1">
+                    <a:lumMod val="75000"/>
+                    <a:lumOff val="25000"/>
+                  </a:schemeClr>
+                </a:solidFill>
+                <a:latin typeface="Arial" panose="020B0604020202020204" pitchFamily="34" charset="0"/>
+                <a:cs typeface="Arial" panose="020B0604020202020204" pitchFamily="34" charset="0"/>
+              </a:rPr>
+              <a:t> </a:t>
+            </a:r>
+            <a:r>
+              <a:rPr lang="en-US" sz="2400" dirty="0">
+                <a:solidFill>
+                  <a:schemeClr val="tx1">
+                    <a:lumMod val="75000"/>
+                    <a:lumOff val="25000"/>
+                  </a:schemeClr>
+                </a:solidFill>
+                <a:latin typeface="Arial" panose="020B0604020202020204" pitchFamily="34" charset="0"/>
+                <a:cs typeface="Arial" panose="020B0604020202020204" pitchFamily="34" charset="0"/>
+              </a:rPr>
+              <a:t>Bonfire</a:t>
+            </a:r>
+            <a:r>
+              <a:rPr lang="ro-MD" sz="2400" dirty="0">
+                <a:solidFill>
+                  <a:schemeClr val="tx1">
+                    <a:lumMod val="75000"/>
+                    <a:lumOff val="25000"/>
+                  </a:schemeClr>
+                </a:solidFill>
+                <a:latin typeface="Arial" panose="020B0604020202020204" pitchFamily="34" charset="0"/>
+                <a:cs typeface="Arial" panose="020B0604020202020204" pitchFamily="34" charset="0"/>
+              </a:rPr>
+              <a:t> </a:t>
+            </a:r>
+            <a:r>
+              <a:rPr lang="en-US" sz="2400" dirty="0">
+                <a:solidFill>
+                  <a:schemeClr val="tx1">
+                    <a:lumMod val="75000"/>
+                    <a:lumOff val="25000"/>
+                  </a:schemeClr>
+                </a:solidFill>
+                <a:latin typeface="Arial" panose="020B0604020202020204" pitchFamily="34" charset="0"/>
+                <a:cs typeface="Arial" panose="020B0604020202020204" pitchFamily="34" charset="0"/>
+              </a:rPr>
+              <a:t>is a free web application which find a way to locate people with increased chances, who are more likely to meet the requirements.  </a:t>
+            </a:r>
+            <a:endParaRPr lang="ro-MD" sz="2400" dirty="0">
+              <a:solidFill>
+                <a:schemeClr val="tx1">
+                  <a:lumMod val="75000"/>
+                  <a:lumOff val="25000"/>
+                </a:schemeClr>
+              </a:solidFill>
+              <a:latin typeface="Arial" panose="020B0604020202020204" pitchFamily="34" charset="0"/>
+              <a:cs typeface="Arial" panose="020B0604020202020204" pitchFamily="34" charset="0"/>
+            </a:endParaRPr>
           </a:p>
         </p:txBody>
       </p:sp>
